--- a/机器学习/语音信号处理/images/drawing.pptx
+++ b/机器学习/语音信号处理/images/drawing.pptx
@@ -241,7 +241,7 @@
           <a:p>
             <a:fld id="{D997B5FA-0921-464F-AAE1-844C04324D75}" type="datetimeFigureOut">
               <a:rPr lang="zh-CN" altLang="en-US" smtClean="0"/>
-              <a:t>2022/3/17</a:t>
+              <a:t>2022/3/23</a:t>
             </a:fld>
             <a:endParaRPr lang="zh-CN" altLang="en-US"/>
           </a:p>
@@ -409,7 +409,7 @@
           <a:p>
             <a:fld id="{D997B5FA-0921-464F-AAE1-844C04324D75}" type="datetimeFigureOut">
               <a:rPr lang="zh-CN" altLang="en-US" smtClean="0"/>
-              <a:t>2022/3/17</a:t>
+              <a:t>2022/3/23</a:t>
             </a:fld>
             <a:endParaRPr lang="zh-CN" altLang="en-US"/>
           </a:p>
@@ -587,7 +587,7 @@
           <a:p>
             <a:fld id="{D997B5FA-0921-464F-AAE1-844C04324D75}" type="datetimeFigureOut">
               <a:rPr lang="zh-CN" altLang="en-US" smtClean="0"/>
-              <a:t>2022/3/17</a:t>
+              <a:t>2022/3/23</a:t>
             </a:fld>
             <a:endParaRPr lang="zh-CN" altLang="en-US"/>
           </a:p>
@@ -755,7 +755,7 @@
           <a:p>
             <a:fld id="{D997B5FA-0921-464F-AAE1-844C04324D75}" type="datetimeFigureOut">
               <a:rPr lang="zh-CN" altLang="en-US" smtClean="0"/>
-              <a:t>2022/3/17</a:t>
+              <a:t>2022/3/23</a:t>
             </a:fld>
             <a:endParaRPr lang="zh-CN" altLang="en-US"/>
           </a:p>
@@ -1000,7 +1000,7 @@
           <a:p>
             <a:fld id="{D997B5FA-0921-464F-AAE1-844C04324D75}" type="datetimeFigureOut">
               <a:rPr lang="zh-CN" altLang="en-US" smtClean="0"/>
-              <a:t>2022/3/17</a:t>
+              <a:t>2022/3/23</a:t>
             </a:fld>
             <a:endParaRPr lang="zh-CN" altLang="en-US"/>
           </a:p>
@@ -1229,7 +1229,7 @@
           <a:p>
             <a:fld id="{D997B5FA-0921-464F-AAE1-844C04324D75}" type="datetimeFigureOut">
               <a:rPr lang="zh-CN" altLang="en-US" smtClean="0"/>
-              <a:t>2022/3/17</a:t>
+              <a:t>2022/3/23</a:t>
             </a:fld>
             <a:endParaRPr lang="zh-CN" altLang="en-US"/>
           </a:p>
@@ -1593,7 +1593,7 @@
           <a:p>
             <a:fld id="{D997B5FA-0921-464F-AAE1-844C04324D75}" type="datetimeFigureOut">
               <a:rPr lang="zh-CN" altLang="en-US" smtClean="0"/>
-              <a:t>2022/3/17</a:t>
+              <a:t>2022/3/23</a:t>
             </a:fld>
             <a:endParaRPr lang="zh-CN" altLang="en-US"/>
           </a:p>
@@ -1710,7 +1710,7 @@
           <a:p>
             <a:fld id="{D997B5FA-0921-464F-AAE1-844C04324D75}" type="datetimeFigureOut">
               <a:rPr lang="zh-CN" altLang="en-US" smtClean="0"/>
-              <a:t>2022/3/17</a:t>
+              <a:t>2022/3/23</a:t>
             </a:fld>
             <a:endParaRPr lang="zh-CN" altLang="en-US"/>
           </a:p>
@@ -1805,7 +1805,7 @@
           <a:p>
             <a:fld id="{D997B5FA-0921-464F-AAE1-844C04324D75}" type="datetimeFigureOut">
               <a:rPr lang="zh-CN" altLang="en-US" smtClean="0"/>
-              <a:t>2022/3/17</a:t>
+              <a:t>2022/3/23</a:t>
             </a:fld>
             <a:endParaRPr lang="zh-CN" altLang="en-US"/>
           </a:p>
@@ -2080,7 +2080,7 @@
           <a:p>
             <a:fld id="{D997B5FA-0921-464F-AAE1-844C04324D75}" type="datetimeFigureOut">
               <a:rPr lang="zh-CN" altLang="en-US" smtClean="0"/>
-              <a:t>2022/3/17</a:t>
+              <a:t>2022/3/23</a:t>
             </a:fld>
             <a:endParaRPr lang="zh-CN" altLang="en-US"/>
           </a:p>
@@ -2332,7 +2332,7 @@
           <a:p>
             <a:fld id="{D997B5FA-0921-464F-AAE1-844C04324D75}" type="datetimeFigureOut">
               <a:rPr lang="zh-CN" altLang="en-US" smtClean="0"/>
-              <a:t>2022/3/17</a:t>
+              <a:t>2022/3/23</a:t>
             </a:fld>
             <a:endParaRPr lang="zh-CN" altLang="en-US"/>
           </a:p>
@@ -2543,7 +2543,7 @@
           <a:p>
             <a:fld id="{D997B5FA-0921-464F-AAE1-844C04324D75}" type="datetimeFigureOut">
               <a:rPr lang="zh-CN" altLang="en-US" smtClean="0"/>
-              <a:t>2022/3/17</a:t>
+              <a:t>2022/3/23</a:t>
             </a:fld>
             <a:endParaRPr lang="zh-CN" altLang="en-US"/>
           </a:p>
@@ -2948,6 +2948,236 @@
           <a:chExt cx="0" cy="0"/>
         </a:xfrm>
       </p:grpSpPr>
+      <p:cxnSp>
+        <p:nvCxnSpPr>
+          <p:cNvPr id="32" name="直接连接符 31">
+            <a:extLst>
+              <a:ext uri="{FF2B5EF4-FFF2-40B4-BE49-F238E27FC236}">
+                <a16:creationId xmlns:a16="http://schemas.microsoft.com/office/drawing/2014/main" id="{6C71FF74-28B7-4203-AA9C-A086152D4A62}"/>
+              </a:ext>
+            </a:extLst>
+          </p:cNvPr>
+          <p:cNvCxnSpPr>
+            <a:cxnSpLocks/>
+          </p:cNvCxnSpPr>
+          <p:nvPr/>
+        </p:nvCxnSpPr>
+        <p:spPr>
+          <a:xfrm>
+            <a:off x="1473200" y="3517820"/>
+            <a:ext cx="0" cy="1548000"/>
+          </a:xfrm>
+          <a:prstGeom prst="line">
+            <a:avLst/>
+          </a:prstGeom>
+          <a:ln w="19050">
+            <a:solidFill>
+              <a:schemeClr val="bg2">
+                <a:lumMod val="50000"/>
+              </a:schemeClr>
+            </a:solidFill>
+            <a:prstDash val="sysDash"/>
+          </a:ln>
+        </p:spPr>
+        <p:style>
+          <a:lnRef idx="1">
+            <a:schemeClr val="accent1"/>
+          </a:lnRef>
+          <a:fillRef idx="0">
+            <a:schemeClr val="accent1"/>
+          </a:fillRef>
+          <a:effectRef idx="0">
+            <a:schemeClr val="accent1"/>
+          </a:effectRef>
+          <a:fontRef idx="minor">
+            <a:schemeClr val="tx1"/>
+          </a:fontRef>
+        </p:style>
+      </p:cxnSp>
+      <p:cxnSp>
+        <p:nvCxnSpPr>
+          <p:cNvPr id="42" name="直接连接符 41">
+            <a:extLst>
+              <a:ext uri="{FF2B5EF4-FFF2-40B4-BE49-F238E27FC236}">
+                <a16:creationId xmlns:a16="http://schemas.microsoft.com/office/drawing/2014/main" id="{C527D87A-3219-4F8E-9EC2-D56AA419C52E}"/>
+              </a:ext>
+            </a:extLst>
+          </p:cNvPr>
+          <p:cNvCxnSpPr>
+            <a:cxnSpLocks/>
+          </p:cNvCxnSpPr>
+          <p:nvPr/>
+        </p:nvCxnSpPr>
+        <p:spPr>
+          <a:xfrm>
+            <a:off x="6774180" y="2982738"/>
+            <a:ext cx="0" cy="3132000"/>
+          </a:xfrm>
+          <a:prstGeom prst="line">
+            <a:avLst/>
+          </a:prstGeom>
+          <a:ln w="19050">
+            <a:solidFill>
+              <a:schemeClr val="bg2">
+                <a:lumMod val="50000"/>
+              </a:schemeClr>
+            </a:solidFill>
+            <a:prstDash val="sysDash"/>
+          </a:ln>
+        </p:spPr>
+        <p:style>
+          <a:lnRef idx="1">
+            <a:schemeClr val="accent1"/>
+          </a:lnRef>
+          <a:fillRef idx="0">
+            <a:schemeClr val="accent1"/>
+          </a:fillRef>
+          <a:effectRef idx="0">
+            <a:schemeClr val="accent1"/>
+          </a:effectRef>
+          <a:fontRef idx="minor">
+            <a:schemeClr val="tx1"/>
+          </a:fontRef>
+        </p:style>
+      </p:cxnSp>
+      <p:cxnSp>
+        <p:nvCxnSpPr>
+          <p:cNvPr id="41" name="直接连接符 40">
+            <a:extLst>
+              <a:ext uri="{FF2B5EF4-FFF2-40B4-BE49-F238E27FC236}">
+                <a16:creationId xmlns:a16="http://schemas.microsoft.com/office/drawing/2014/main" id="{34487577-F6D7-4447-8050-EA2DAF561525}"/>
+              </a:ext>
+            </a:extLst>
+          </p:cNvPr>
+          <p:cNvCxnSpPr>
+            <a:cxnSpLocks/>
+          </p:cNvCxnSpPr>
+          <p:nvPr/>
+        </p:nvCxnSpPr>
+        <p:spPr>
+          <a:xfrm>
+            <a:off x="4114990" y="2982738"/>
+            <a:ext cx="0" cy="3132000"/>
+          </a:xfrm>
+          <a:prstGeom prst="line">
+            <a:avLst/>
+          </a:prstGeom>
+          <a:ln w="19050">
+            <a:solidFill>
+              <a:schemeClr val="bg2">
+                <a:lumMod val="50000"/>
+              </a:schemeClr>
+            </a:solidFill>
+            <a:prstDash val="sysDash"/>
+          </a:ln>
+        </p:spPr>
+        <p:style>
+          <a:lnRef idx="1">
+            <a:schemeClr val="accent1"/>
+          </a:lnRef>
+          <a:fillRef idx="0">
+            <a:schemeClr val="accent1"/>
+          </a:fillRef>
+          <a:effectRef idx="0">
+            <a:schemeClr val="accent1"/>
+          </a:effectRef>
+          <a:fontRef idx="minor">
+            <a:schemeClr val="tx1"/>
+          </a:fontRef>
+        </p:style>
+      </p:cxnSp>
+      <p:cxnSp>
+        <p:nvCxnSpPr>
+          <p:cNvPr id="40" name="直接连接符 39">
+            <a:extLst>
+              <a:ext uri="{FF2B5EF4-FFF2-40B4-BE49-F238E27FC236}">
+                <a16:creationId xmlns:a16="http://schemas.microsoft.com/office/drawing/2014/main" id="{CD055B4A-C118-4902-A669-DD94317AC5AE}"/>
+              </a:ext>
+            </a:extLst>
+          </p:cNvPr>
+          <p:cNvCxnSpPr>
+            <a:cxnSpLocks/>
+          </p:cNvCxnSpPr>
+          <p:nvPr/>
+        </p:nvCxnSpPr>
+        <p:spPr>
+          <a:xfrm>
+            <a:off x="5443917" y="2982738"/>
+            <a:ext cx="0" cy="2844000"/>
+          </a:xfrm>
+          <a:prstGeom prst="line">
+            <a:avLst/>
+          </a:prstGeom>
+          <a:ln w="19050">
+            <a:solidFill>
+              <a:schemeClr val="bg2">
+                <a:lumMod val="50000"/>
+              </a:schemeClr>
+            </a:solidFill>
+            <a:prstDash val="sysDash"/>
+          </a:ln>
+        </p:spPr>
+        <p:style>
+          <a:lnRef idx="1">
+            <a:schemeClr val="accent1"/>
+          </a:lnRef>
+          <a:fillRef idx="0">
+            <a:schemeClr val="accent1"/>
+          </a:fillRef>
+          <a:effectRef idx="0">
+            <a:schemeClr val="accent1"/>
+          </a:effectRef>
+          <a:fontRef idx="minor">
+            <a:schemeClr val="tx1"/>
+          </a:fontRef>
+        </p:style>
+      </p:cxnSp>
+      <p:cxnSp>
+        <p:nvCxnSpPr>
+          <p:cNvPr id="34" name="直接连接符 33">
+            <a:extLst>
+              <a:ext uri="{FF2B5EF4-FFF2-40B4-BE49-F238E27FC236}">
+                <a16:creationId xmlns:a16="http://schemas.microsoft.com/office/drawing/2014/main" id="{E1E6A778-444E-4C72-B0B3-E6CDB52576EA}"/>
+              </a:ext>
+            </a:extLst>
+          </p:cNvPr>
+          <p:cNvCxnSpPr>
+            <a:cxnSpLocks/>
+          </p:cNvCxnSpPr>
+          <p:nvPr/>
+        </p:nvCxnSpPr>
+        <p:spPr>
+          <a:xfrm>
+            <a:off x="2796730" y="2982738"/>
+            <a:ext cx="0" cy="3132000"/>
+          </a:xfrm>
+          <a:prstGeom prst="line">
+            <a:avLst/>
+          </a:prstGeom>
+          <a:ln w="19050">
+            <a:solidFill>
+              <a:schemeClr val="bg2">
+                <a:lumMod val="50000"/>
+              </a:schemeClr>
+            </a:solidFill>
+            <a:prstDash val="sysDash"/>
+          </a:ln>
+        </p:spPr>
+        <p:style>
+          <a:lnRef idx="1">
+            <a:schemeClr val="accent1"/>
+          </a:lnRef>
+          <a:fillRef idx="0">
+            <a:schemeClr val="accent1"/>
+          </a:fillRef>
+          <a:effectRef idx="0">
+            <a:schemeClr val="accent1"/>
+          </a:effectRef>
+          <a:fontRef idx="minor">
+            <a:schemeClr val="tx1"/>
+          </a:fontRef>
+        </p:style>
+      </p:cxnSp>
       <p:pic>
         <p:nvPicPr>
           <p:cNvPr id="9" name="图片 8">
@@ -2970,7 +3200,7 @@
         </p:blipFill>
         <p:spPr>
           <a:xfrm>
-            <a:off x="3364852" y="1955244"/>
+            <a:off x="5696572" y="692117"/>
             <a:ext cx="3231160" cy="347502"/>
           </a:xfrm>
           <a:prstGeom prst="rect">
@@ -3000,7 +3230,7 @@
         </p:blipFill>
         <p:spPr>
           <a:xfrm>
-            <a:off x="4882756" y="2430757"/>
+            <a:off x="7214476" y="1167630"/>
             <a:ext cx="3231160" cy="304826"/>
           </a:xfrm>
           <a:prstGeom prst="rect">
@@ -3030,7 +3260,7 @@
         </p:blipFill>
         <p:spPr>
           <a:xfrm>
-            <a:off x="6419088" y="2831521"/>
+            <a:off x="8750808" y="1568394"/>
             <a:ext cx="3231160" cy="329213"/>
           </a:xfrm>
           <a:prstGeom prst="rect">
@@ -3052,7 +3282,7 @@
         </p:nvGrpSpPr>
         <p:grpSpPr>
           <a:xfrm>
-            <a:off x="3364852" y="1402065"/>
+            <a:off x="5696572" y="138938"/>
             <a:ext cx="6279160" cy="353598"/>
             <a:chOff x="3364852" y="1335009"/>
             <a:chExt cx="6279160" cy="353598"/>
@@ -3133,7 +3363,7 @@
         </p:nvCxnSpPr>
         <p:spPr>
           <a:xfrm flipH="1">
-            <a:off x="3462528" y="1402065"/>
+            <a:off x="5794248" y="138938"/>
             <a:ext cx="0" cy="1658112"/>
           </a:xfrm>
           <a:prstGeom prst="line">
@@ -3155,6 +3385,730 @@
           </a:fontRef>
         </p:style>
       </p:cxnSp>
+      <p:pic>
+        <p:nvPicPr>
+          <p:cNvPr id="1026" name="Picture 2">
+            <a:extLst>
+              <a:ext uri="{FF2B5EF4-FFF2-40B4-BE49-F238E27FC236}">
+                <a16:creationId xmlns:a16="http://schemas.microsoft.com/office/drawing/2014/main" id="{C9C6B400-A831-4F23-9AF7-142E8E48A275}"/>
+              </a:ext>
+            </a:extLst>
+          </p:cNvPr>
+          <p:cNvPicPr>
+            <a:picLocks noChangeAspect="1" noChangeArrowheads="1"/>
+          </p:cNvPicPr>
+          <p:nvPr/>
+        </p:nvPicPr>
+        <p:blipFill>
+          <a:blip r:embed="rId5">
+            <a:extLst>
+              <a:ext uri="{28A0092B-C50C-407E-A947-70E740481C1C}">
+                <a14:useLocalDpi xmlns:a14="http://schemas.microsoft.com/office/drawing/2010/main" val="0"/>
+              </a:ext>
+            </a:extLst>
+          </a:blip>
+          <a:srcRect/>
+          <a:stretch>
+            <a:fillRect/>
+          </a:stretch>
+        </p:blipFill>
+        <p:spPr bwMode="auto">
+          <a:xfrm>
+            <a:off x="1356550" y="2922954"/>
+            <a:ext cx="5476875" cy="685800"/>
+          </a:xfrm>
+          <a:prstGeom prst="rect">
+            <a:avLst/>
+          </a:prstGeom>
+          <a:noFill/>
+          <a:extLst>
+            <a:ext uri="{909E8E84-426E-40DD-AFC4-6F175D3DCCD1}">
+              <a14:hiddenFill xmlns:a14="http://schemas.microsoft.com/office/drawing/2010/main">
+                <a:solidFill>
+                  <a:srgbClr val="FFFFFF"/>
+                </a:solidFill>
+              </a14:hiddenFill>
+            </a:ext>
+          </a:extLst>
+        </p:spPr>
+      </p:pic>
+      <p:sp>
+        <p:nvSpPr>
+          <p:cNvPr id="2" name="文本框 1">
+            <a:extLst>
+              <a:ext uri="{FF2B5EF4-FFF2-40B4-BE49-F238E27FC236}">
+                <a16:creationId xmlns:a16="http://schemas.microsoft.com/office/drawing/2014/main" id="{080C745F-0329-4DCB-81AB-621D8F53EBFE}"/>
+              </a:ext>
+            </a:extLst>
+          </p:cNvPr>
+          <p:cNvSpPr txBox="1"/>
+          <p:nvPr/>
+        </p:nvSpPr>
+        <p:spPr>
+          <a:xfrm>
+            <a:off x="4175950" y="3882350"/>
+            <a:ext cx="495300" cy="307777"/>
+          </a:xfrm>
+          <a:prstGeom prst="rect">
+            <a:avLst/>
+          </a:prstGeom>
+          <a:noFill/>
+        </p:spPr>
+        <p:txBody>
+          <a:bodyPr wrap="square" rtlCol="0">
+            <a:spAutoFit/>
+          </a:bodyPr>
+          <a:lstStyle/>
+          <a:p>
+            <a:r>
+              <a:rPr lang="zh-CN" altLang="en-US" sz="1400" b="1" dirty="0"/>
+              <a:t>帧</a:t>
+            </a:r>
+            <a:r>
+              <a:rPr lang="en-US" altLang="zh-CN" sz="1400" b="1" dirty="0"/>
+              <a:t>1</a:t>
+            </a:r>
+            <a:endParaRPr lang="zh-CN" altLang="en-US" sz="1400" b="1" dirty="0"/>
+          </a:p>
+        </p:txBody>
+      </p:sp>
+      <p:pic>
+        <p:nvPicPr>
+          <p:cNvPr id="1028" name="Picture 4">
+            <a:extLst>
+              <a:ext uri="{FF2B5EF4-FFF2-40B4-BE49-F238E27FC236}">
+                <a16:creationId xmlns:a16="http://schemas.microsoft.com/office/drawing/2014/main" id="{855D5035-8F44-471C-94FB-A0F2ED9CB8CD}"/>
+              </a:ext>
+            </a:extLst>
+          </p:cNvPr>
+          <p:cNvPicPr>
+            <a:picLocks noChangeAspect="1" noChangeArrowheads="1"/>
+          </p:cNvPicPr>
+          <p:nvPr/>
+        </p:nvPicPr>
+        <p:blipFill>
+          <a:blip r:embed="rId6">
+            <a:extLst>
+              <a:ext uri="{28A0092B-C50C-407E-A947-70E740481C1C}">
+                <a14:useLocalDpi xmlns:a14="http://schemas.microsoft.com/office/drawing/2010/main" val="0"/>
+              </a:ext>
+            </a:extLst>
+          </a:blip>
+          <a:srcRect/>
+          <a:stretch>
+            <a:fillRect/>
+          </a:stretch>
+        </p:blipFill>
+        <p:spPr bwMode="auto">
+          <a:xfrm>
+            <a:off x="1356550" y="3711669"/>
+            <a:ext cx="2819400" cy="685800"/>
+          </a:xfrm>
+          <a:prstGeom prst="rect">
+            <a:avLst/>
+          </a:prstGeom>
+          <a:noFill/>
+          <a:extLst>
+            <a:ext uri="{909E8E84-426E-40DD-AFC4-6F175D3DCCD1}">
+              <a14:hiddenFill xmlns:a14="http://schemas.microsoft.com/office/drawing/2010/main">
+                <a:solidFill>
+                  <a:srgbClr val="FFFFFF"/>
+                </a:solidFill>
+              </a14:hiddenFill>
+            </a:ext>
+          </a:extLst>
+        </p:spPr>
+      </p:pic>
+      <p:pic>
+        <p:nvPicPr>
+          <p:cNvPr id="1030" name="Picture 6">
+            <a:extLst>
+              <a:ext uri="{FF2B5EF4-FFF2-40B4-BE49-F238E27FC236}">
+                <a16:creationId xmlns:a16="http://schemas.microsoft.com/office/drawing/2014/main" id="{AE80EE83-FBC2-435B-BC3B-455928A233D5}"/>
+              </a:ext>
+            </a:extLst>
+          </p:cNvPr>
+          <p:cNvPicPr>
+            <a:picLocks noChangeAspect="1" noChangeArrowheads="1"/>
+          </p:cNvPicPr>
+          <p:nvPr/>
+        </p:nvPicPr>
+        <p:blipFill>
+          <a:blip r:embed="rId7">
+            <a:extLst>
+              <a:ext uri="{28A0092B-C50C-407E-A947-70E740481C1C}">
+                <a14:useLocalDpi xmlns:a14="http://schemas.microsoft.com/office/drawing/2010/main" val="0"/>
+              </a:ext>
+            </a:extLst>
+          </a:blip>
+          <a:srcRect/>
+          <a:stretch>
+            <a:fillRect/>
+          </a:stretch>
+        </p:blipFill>
+        <p:spPr bwMode="auto">
+          <a:xfrm>
+            <a:off x="2685287" y="4485197"/>
+            <a:ext cx="2819400" cy="685800"/>
+          </a:xfrm>
+          <a:prstGeom prst="rect">
+            <a:avLst/>
+          </a:prstGeom>
+          <a:noFill/>
+          <a:extLst>
+            <a:ext uri="{909E8E84-426E-40DD-AFC4-6F175D3DCCD1}">
+              <a14:hiddenFill xmlns:a14="http://schemas.microsoft.com/office/drawing/2010/main">
+                <a:solidFill>
+                  <a:srgbClr val="FFFFFF"/>
+                </a:solidFill>
+              </a14:hiddenFill>
+            </a:ext>
+          </a:extLst>
+        </p:spPr>
+      </p:pic>
+      <p:pic>
+        <p:nvPicPr>
+          <p:cNvPr id="1032" name="Picture 8">
+            <a:extLst>
+              <a:ext uri="{FF2B5EF4-FFF2-40B4-BE49-F238E27FC236}">
+                <a16:creationId xmlns:a16="http://schemas.microsoft.com/office/drawing/2014/main" id="{0A9E2B2C-1ABF-4E49-AE92-5130D489A18C}"/>
+              </a:ext>
+            </a:extLst>
+          </p:cNvPr>
+          <p:cNvPicPr>
+            <a:picLocks noChangeAspect="1" noChangeArrowheads="1"/>
+          </p:cNvPicPr>
+          <p:nvPr/>
+        </p:nvPicPr>
+        <p:blipFill>
+          <a:blip r:embed="rId8">
+            <a:extLst>
+              <a:ext uri="{28A0092B-C50C-407E-A947-70E740481C1C}">
+                <a14:useLocalDpi xmlns:a14="http://schemas.microsoft.com/office/drawing/2010/main" val="0"/>
+              </a:ext>
+            </a:extLst>
+          </a:blip>
+          <a:srcRect/>
+          <a:stretch>
+            <a:fillRect/>
+          </a:stretch>
+        </p:blipFill>
+        <p:spPr bwMode="auto">
+          <a:xfrm>
+            <a:off x="4014025" y="5258725"/>
+            <a:ext cx="2819400" cy="685800"/>
+          </a:xfrm>
+          <a:prstGeom prst="rect">
+            <a:avLst/>
+          </a:prstGeom>
+          <a:noFill/>
+          <a:extLst>
+            <a:ext uri="{909E8E84-426E-40DD-AFC4-6F175D3DCCD1}">
+              <a14:hiddenFill xmlns:a14="http://schemas.microsoft.com/office/drawing/2010/main">
+                <a:solidFill>
+                  <a:srgbClr val="FFFFFF"/>
+                </a:solidFill>
+              </a14:hiddenFill>
+            </a:ext>
+          </a:extLst>
+        </p:spPr>
+      </p:pic>
+      <p:sp>
+        <p:nvSpPr>
+          <p:cNvPr id="16" name="文本框 15">
+            <a:extLst>
+              <a:ext uri="{FF2B5EF4-FFF2-40B4-BE49-F238E27FC236}">
+                <a16:creationId xmlns:a16="http://schemas.microsoft.com/office/drawing/2014/main" id="{F1FC7283-1ABC-4965-8125-86CDA9E732B8}"/>
+              </a:ext>
+            </a:extLst>
+          </p:cNvPr>
+          <p:cNvSpPr txBox="1"/>
+          <p:nvPr/>
+        </p:nvSpPr>
+        <p:spPr>
+          <a:xfrm>
+            <a:off x="365951" y="3111965"/>
+            <a:ext cx="990599" cy="307777"/>
+          </a:xfrm>
+          <a:prstGeom prst="rect">
+            <a:avLst/>
+          </a:prstGeom>
+          <a:noFill/>
+        </p:spPr>
+        <p:txBody>
+          <a:bodyPr wrap="square" rtlCol="0">
+            <a:spAutoFit/>
+          </a:bodyPr>
+          <a:lstStyle/>
+          <a:p>
+            <a:r>
+              <a:rPr lang="zh-CN" altLang="en-US" sz="1400" b="1" dirty="0"/>
+              <a:t>原始信号</a:t>
+            </a:r>
+          </a:p>
+        </p:txBody>
+      </p:sp>
+      <p:sp>
+        <p:nvSpPr>
+          <p:cNvPr id="18" name="文本框 17">
+            <a:extLst>
+              <a:ext uri="{FF2B5EF4-FFF2-40B4-BE49-F238E27FC236}">
+                <a16:creationId xmlns:a16="http://schemas.microsoft.com/office/drawing/2014/main" id="{AE4A6294-3120-4D3B-8C5A-14B786B23D5F}"/>
+              </a:ext>
+            </a:extLst>
+          </p:cNvPr>
+          <p:cNvSpPr txBox="1"/>
+          <p:nvPr/>
+        </p:nvSpPr>
+        <p:spPr>
+          <a:xfrm>
+            <a:off x="5507734" y="4674208"/>
+            <a:ext cx="495300" cy="307777"/>
+          </a:xfrm>
+          <a:prstGeom prst="rect">
+            <a:avLst/>
+          </a:prstGeom>
+          <a:noFill/>
+        </p:spPr>
+        <p:txBody>
+          <a:bodyPr wrap="square" rtlCol="0">
+            <a:spAutoFit/>
+          </a:bodyPr>
+          <a:lstStyle/>
+          <a:p>
+            <a:r>
+              <a:rPr lang="zh-CN" altLang="en-US" sz="1400" b="1" dirty="0"/>
+              <a:t>帧</a:t>
+            </a:r>
+            <a:r>
+              <a:rPr lang="en-US" altLang="zh-CN" sz="1400" b="1" dirty="0"/>
+              <a:t>2</a:t>
+            </a:r>
+            <a:endParaRPr lang="zh-CN" altLang="en-US" sz="1400" b="1" dirty="0"/>
+          </a:p>
+        </p:txBody>
+      </p:sp>
+      <p:sp>
+        <p:nvSpPr>
+          <p:cNvPr id="19" name="文本框 18">
+            <a:extLst>
+              <a:ext uri="{FF2B5EF4-FFF2-40B4-BE49-F238E27FC236}">
+                <a16:creationId xmlns:a16="http://schemas.microsoft.com/office/drawing/2014/main" id="{57128E7D-A674-4782-B9D3-1FF2C598F1E1}"/>
+              </a:ext>
+            </a:extLst>
+          </p:cNvPr>
+          <p:cNvSpPr txBox="1"/>
+          <p:nvPr/>
+        </p:nvSpPr>
+        <p:spPr>
+          <a:xfrm>
+            <a:off x="6871525" y="5447736"/>
+            <a:ext cx="495300" cy="307777"/>
+          </a:xfrm>
+          <a:prstGeom prst="rect">
+            <a:avLst/>
+          </a:prstGeom>
+          <a:noFill/>
+        </p:spPr>
+        <p:txBody>
+          <a:bodyPr wrap="square" rtlCol="0">
+            <a:spAutoFit/>
+          </a:bodyPr>
+          <a:lstStyle/>
+          <a:p>
+            <a:r>
+              <a:rPr lang="zh-CN" altLang="en-US" sz="1400" b="1" dirty="0"/>
+              <a:t>帧</a:t>
+            </a:r>
+            <a:r>
+              <a:rPr lang="en-US" altLang="zh-CN" sz="1400" b="1" dirty="0"/>
+              <a:t>3</a:t>
+            </a:r>
+            <a:endParaRPr lang="zh-CN" altLang="en-US" sz="1400" b="1" dirty="0"/>
+          </a:p>
+        </p:txBody>
+      </p:sp>
+      <p:cxnSp>
+        <p:nvCxnSpPr>
+          <p:cNvPr id="4" name="直接箭头连接符 3">
+            <a:extLst>
+              <a:ext uri="{FF2B5EF4-FFF2-40B4-BE49-F238E27FC236}">
+                <a16:creationId xmlns:a16="http://schemas.microsoft.com/office/drawing/2014/main" id="{84D3D769-334A-4246-B438-9AF6F4AABC43}"/>
+              </a:ext>
+            </a:extLst>
+          </p:cNvPr>
+          <p:cNvCxnSpPr/>
+          <p:nvPr/>
+        </p:nvCxnSpPr>
+        <p:spPr>
+          <a:xfrm>
+            <a:off x="4114800" y="6088380"/>
+            <a:ext cx="2659380" cy="0"/>
+          </a:xfrm>
+          <a:prstGeom prst="straightConnector1">
+            <a:avLst/>
+          </a:prstGeom>
+          <a:ln w="19050">
+            <a:solidFill>
+              <a:schemeClr val="accent4">
+                <a:lumMod val="60000"/>
+                <a:lumOff val="40000"/>
+              </a:schemeClr>
+            </a:solidFill>
+            <a:headEnd type="triangle"/>
+            <a:tailEnd type="triangle"/>
+          </a:ln>
+        </p:spPr>
+        <p:style>
+          <a:lnRef idx="1">
+            <a:schemeClr val="accent1"/>
+          </a:lnRef>
+          <a:fillRef idx="0">
+            <a:schemeClr val="accent1"/>
+          </a:fillRef>
+          <a:effectRef idx="0">
+            <a:schemeClr val="accent1"/>
+          </a:effectRef>
+          <a:fontRef idx="minor">
+            <a:schemeClr val="tx1"/>
+          </a:fontRef>
+        </p:style>
+      </p:cxnSp>
+      <p:sp>
+        <p:nvSpPr>
+          <p:cNvPr id="20" name="文本框 19">
+            <a:extLst>
+              <a:ext uri="{FF2B5EF4-FFF2-40B4-BE49-F238E27FC236}">
+                <a16:creationId xmlns:a16="http://schemas.microsoft.com/office/drawing/2014/main" id="{2C9599C3-AA0A-4A1A-9929-4AFA6C8B77D2}"/>
+              </a:ext>
+            </a:extLst>
+          </p:cNvPr>
+          <p:cNvSpPr txBox="1"/>
+          <p:nvPr/>
+        </p:nvSpPr>
+        <p:spPr>
+          <a:xfrm>
+            <a:off x="4114801" y="6133178"/>
+            <a:ext cx="2659380" cy="307777"/>
+          </a:xfrm>
+          <a:prstGeom prst="rect">
+            <a:avLst/>
+          </a:prstGeom>
+          <a:noFill/>
+        </p:spPr>
+        <p:txBody>
+          <a:bodyPr wrap="square" rtlCol="0">
+            <a:spAutoFit/>
+          </a:bodyPr>
+          <a:lstStyle/>
+          <a:p>
+            <a:pPr algn="ctr"/>
+            <a:r>
+              <a:rPr lang="zh-CN" altLang="en-US" sz="1400" b="1" dirty="0">
+                <a:solidFill>
+                  <a:schemeClr val="accent4">
+                    <a:lumMod val="75000"/>
+                  </a:schemeClr>
+                </a:solidFill>
+                <a:latin typeface="Fira Code" pitchFamily="1" charset="0"/>
+                <a:cs typeface="Fira Code" pitchFamily="1" charset="0"/>
+              </a:rPr>
+              <a:t>帧宽 </a:t>
+            </a:r>
+            <a:r>
+              <a:rPr lang="en-US" altLang="zh-CN" sz="1400" b="1" dirty="0" err="1">
+                <a:solidFill>
+                  <a:schemeClr val="accent4">
+                    <a:lumMod val="75000"/>
+                  </a:schemeClr>
+                </a:solidFill>
+                <a:latin typeface="Fira Code" pitchFamily="1" charset="0"/>
+                <a:ea typeface="Fira Code" pitchFamily="1" charset="0"/>
+                <a:cs typeface="Fira Code" pitchFamily="1" charset="0"/>
+              </a:rPr>
+              <a:t>window_length</a:t>
+            </a:r>
+            <a:endParaRPr lang="zh-CN" altLang="en-US" sz="1400" b="1" dirty="0">
+              <a:solidFill>
+                <a:schemeClr val="accent4">
+                  <a:lumMod val="75000"/>
+                </a:schemeClr>
+              </a:solidFill>
+              <a:latin typeface="Fira Code" pitchFamily="1" charset="0"/>
+              <a:cs typeface="Fira Code" pitchFamily="1" charset="0"/>
+            </a:endParaRPr>
+          </a:p>
+        </p:txBody>
+      </p:sp>
+      <p:cxnSp>
+        <p:nvCxnSpPr>
+          <p:cNvPr id="21" name="直接箭头连接符 20">
+            <a:extLst>
+              <a:ext uri="{FF2B5EF4-FFF2-40B4-BE49-F238E27FC236}">
+                <a16:creationId xmlns:a16="http://schemas.microsoft.com/office/drawing/2014/main" id="{5ED14C30-ED15-4860-B013-8F06B5145DF6}"/>
+              </a:ext>
+            </a:extLst>
+          </p:cNvPr>
+          <p:cNvCxnSpPr>
+            <a:cxnSpLocks/>
+          </p:cNvCxnSpPr>
+          <p:nvPr/>
+        </p:nvCxnSpPr>
+        <p:spPr>
+          <a:xfrm>
+            <a:off x="2796730" y="6088380"/>
+            <a:ext cx="1318070" cy="0"/>
+          </a:xfrm>
+          <a:prstGeom prst="straightConnector1">
+            <a:avLst/>
+          </a:prstGeom>
+          <a:ln w="19050">
+            <a:solidFill>
+              <a:schemeClr val="accent5">
+                <a:lumMod val="60000"/>
+                <a:lumOff val="40000"/>
+              </a:schemeClr>
+            </a:solidFill>
+            <a:headEnd type="triangle"/>
+            <a:tailEnd type="triangle"/>
+          </a:ln>
+        </p:spPr>
+        <p:style>
+          <a:lnRef idx="1">
+            <a:schemeClr val="accent1"/>
+          </a:lnRef>
+          <a:fillRef idx="0">
+            <a:schemeClr val="accent1"/>
+          </a:fillRef>
+          <a:effectRef idx="0">
+            <a:schemeClr val="accent1"/>
+          </a:effectRef>
+          <a:fontRef idx="minor">
+            <a:schemeClr val="tx1"/>
+          </a:fontRef>
+        </p:style>
+      </p:cxnSp>
+      <p:sp>
+        <p:nvSpPr>
+          <p:cNvPr id="22" name="文本框 21">
+            <a:extLst>
+              <a:ext uri="{FF2B5EF4-FFF2-40B4-BE49-F238E27FC236}">
+                <a16:creationId xmlns:a16="http://schemas.microsoft.com/office/drawing/2014/main" id="{F1513564-CB59-42BD-9C4C-6F95D9BEF65E}"/>
+              </a:ext>
+            </a:extLst>
+          </p:cNvPr>
+          <p:cNvSpPr txBox="1"/>
+          <p:nvPr/>
+        </p:nvSpPr>
+        <p:spPr>
+          <a:xfrm>
+            <a:off x="2727959" y="6133178"/>
+            <a:ext cx="1386841" cy="307777"/>
+          </a:xfrm>
+          <a:prstGeom prst="rect">
+            <a:avLst/>
+          </a:prstGeom>
+          <a:noFill/>
+        </p:spPr>
+        <p:txBody>
+          <a:bodyPr wrap="square" rtlCol="0">
+            <a:spAutoFit/>
+          </a:bodyPr>
+          <a:lstStyle/>
+          <a:p>
+            <a:pPr algn="ctr"/>
+            <a:r>
+              <a:rPr lang="zh-CN" altLang="en-US" sz="1400" b="1" dirty="0">
+                <a:solidFill>
+                  <a:schemeClr val="accent5">
+                    <a:lumMod val="60000"/>
+                    <a:lumOff val="40000"/>
+                  </a:schemeClr>
+                </a:solidFill>
+                <a:latin typeface="Fira Code" pitchFamily="1" charset="0"/>
+                <a:cs typeface="Fira Code" pitchFamily="1" charset="0"/>
+              </a:rPr>
+              <a:t>帧移 </a:t>
+            </a:r>
+            <a:r>
+              <a:rPr lang="en-US" altLang="zh-CN" sz="1400" b="1" dirty="0">
+                <a:solidFill>
+                  <a:schemeClr val="accent5">
+                    <a:lumMod val="60000"/>
+                    <a:lumOff val="40000"/>
+                  </a:schemeClr>
+                </a:solidFill>
+                <a:latin typeface="Fira Code" pitchFamily="1" charset="0"/>
+                <a:ea typeface="Fira Code" pitchFamily="1" charset="0"/>
+                <a:cs typeface="Fira Code" pitchFamily="1" charset="0"/>
+              </a:rPr>
+              <a:t>step</a:t>
+            </a:r>
+            <a:endParaRPr lang="zh-CN" altLang="en-US" sz="1400" b="1" dirty="0">
+              <a:solidFill>
+                <a:schemeClr val="accent5">
+                  <a:lumMod val="60000"/>
+                  <a:lumOff val="40000"/>
+                </a:schemeClr>
+              </a:solidFill>
+              <a:latin typeface="Fira Code" pitchFamily="1" charset="0"/>
+              <a:cs typeface="Fira Code" pitchFamily="1" charset="0"/>
+            </a:endParaRPr>
+          </a:p>
+        </p:txBody>
+      </p:sp>
+      <p:sp>
+        <p:nvSpPr>
+          <p:cNvPr id="28" name="文本框 27">
+            <a:extLst>
+              <a:ext uri="{FF2B5EF4-FFF2-40B4-BE49-F238E27FC236}">
+                <a16:creationId xmlns:a16="http://schemas.microsoft.com/office/drawing/2014/main" id="{1925E4EC-CE1D-4516-BFDB-0E8EC67F2EB7}"/>
+              </a:ext>
+            </a:extLst>
+          </p:cNvPr>
+          <p:cNvSpPr txBox="1"/>
+          <p:nvPr/>
+        </p:nvSpPr>
+        <p:spPr>
+          <a:xfrm>
+            <a:off x="365951" y="4849998"/>
+            <a:ext cx="990599" cy="307777"/>
+          </a:xfrm>
+          <a:prstGeom prst="rect">
+            <a:avLst/>
+          </a:prstGeom>
+          <a:noFill/>
+        </p:spPr>
+        <p:txBody>
+          <a:bodyPr wrap="square" rtlCol="0">
+            <a:spAutoFit/>
+          </a:bodyPr>
+          <a:lstStyle/>
+          <a:p>
+            <a:r>
+              <a:rPr lang="zh-CN" altLang="en-US" sz="1400" b="1" dirty="0"/>
+              <a:t>信号分帧</a:t>
+            </a:r>
+          </a:p>
+        </p:txBody>
+      </p:sp>
+      <p:cxnSp>
+        <p:nvCxnSpPr>
+          <p:cNvPr id="44" name="直接箭头连接符 43">
+            <a:extLst>
+              <a:ext uri="{FF2B5EF4-FFF2-40B4-BE49-F238E27FC236}">
+                <a16:creationId xmlns:a16="http://schemas.microsoft.com/office/drawing/2014/main" id="{C3E4E239-EE33-4A72-8EFD-034AC4CE8E2A}"/>
+              </a:ext>
+            </a:extLst>
+          </p:cNvPr>
+          <p:cNvCxnSpPr>
+            <a:cxnSpLocks/>
+          </p:cNvCxnSpPr>
+          <p:nvPr/>
+        </p:nvCxnSpPr>
+        <p:spPr>
+          <a:xfrm>
+            <a:off x="1476818" y="5065065"/>
+            <a:ext cx="1318070" cy="0"/>
+          </a:xfrm>
+          <a:prstGeom prst="straightConnector1">
+            <a:avLst/>
+          </a:prstGeom>
+          <a:ln w="19050">
+            <a:solidFill>
+              <a:schemeClr val="accent5">
+                <a:lumMod val="60000"/>
+                <a:lumOff val="40000"/>
+              </a:schemeClr>
+            </a:solidFill>
+            <a:headEnd type="triangle"/>
+            <a:tailEnd type="triangle"/>
+          </a:ln>
+        </p:spPr>
+        <p:style>
+          <a:lnRef idx="1">
+            <a:schemeClr val="accent1"/>
+          </a:lnRef>
+          <a:fillRef idx="0">
+            <a:schemeClr val="accent1"/>
+          </a:fillRef>
+          <a:effectRef idx="0">
+            <a:schemeClr val="accent1"/>
+          </a:effectRef>
+          <a:fontRef idx="minor">
+            <a:schemeClr val="tx1"/>
+          </a:fontRef>
+        </p:style>
+      </p:cxnSp>
+      <p:sp>
+        <p:nvSpPr>
+          <p:cNvPr id="45" name="文本框 44">
+            <a:extLst>
+              <a:ext uri="{FF2B5EF4-FFF2-40B4-BE49-F238E27FC236}">
+                <a16:creationId xmlns:a16="http://schemas.microsoft.com/office/drawing/2014/main" id="{65E0D98A-9D62-440C-8270-6257D5EFF462}"/>
+              </a:ext>
+            </a:extLst>
+          </p:cNvPr>
+          <p:cNvSpPr txBox="1"/>
+          <p:nvPr/>
+        </p:nvSpPr>
+        <p:spPr>
+          <a:xfrm>
+            <a:off x="1408047" y="5109863"/>
+            <a:ext cx="1386841" cy="307777"/>
+          </a:xfrm>
+          <a:prstGeom prst="rect">
+            <a:avLst/>
+          </a:prstGeom>
+          <a:noFill/>
+        </p:spPr>
+        <p:txBody>
+          <a:bodyPr wrap="square" rtlCol="0">
+            <a:spAutoFit/>
+          </a:bodyPr>
+          <a:lstStyle/>
+          <a:p>
+            <a:pPr algn="ctr"/>
+            <a:r>
+              <a:rPr lang="zh-CN" altLang="en-US" sz="1400" b="1" dirty="0">
+                <a:solidFill>
+                  <a:schemeClr val="accent5">
+                    <a:lumMod val="60000"/>
+                    <a:lumOff val="40000"/>
+                  </a:schemeClr>
+                </a:solidFill>
+                <a:latin typeface="Fira Code" pitchFamily="1" charset="0"/>
+                <a:cs typeface="Fira Code" pitchFamily="1" charset="0"/>
+              </a:rPr>
+              <a:t>帧移 </a:t>
+            </a:r>
+            <a:r>
+              <a:rPr lang="en-US" altLang="zh-CN" sz="1400" b="1" dirty="0">
+                <a:solidFill>
+                  <a:schemeClr val="accent5">
+                    <a:lumMod val="60000"/>
+                    <a:lumOff val="40000"/>
+                  </a:schemeClr>
+                </a:solidFill>
+                <a:latin typeface="Fira Code" pitchFamily="1" charset="0"/>
+                <a:ea typeface="Fira Code" pitchFamily="1" charset="0"/>
+                <a:cs typeface="Fira Code" pitchFamily="1" charset="0"/>
+              </a:rPr>
+              <a:t>step</a:t>
+            </a:r>
+            <a:endParaRPr lang="zh-CN" altLang="en-US" sz="1400" b="1" dirty="0">
+              <a:solidFill>
+                <a:schemeClr val="accent5">
+                  <a:lumMod val="60000"/>
+                  <a:lumOff val="40000"/>
+                </a:schemeClr>
+              </a:solidFill>
+              <a:latin typeface="Fira Code" pitchFamily="1" charset="0"/>
+              <a:cs typeface="Fira Code" pitchFamily="1" charset="0"/>
+            </a:endParaRPr>
+          </a:p>
+        </p:txBody>
+      </p:sp>
     </p:spTree>
     <p:extLst>
       <p:ext uri="{BB962C8B-B14F-4D97-AF65-F5344CB8AC3E}">
